--- a/presentations/IT Refresh - Testing.pptx
+++ b/presentations/IT Refresh - Testing.pptx
@@ -399,7 +399,7 @@
           <a:p>
             <a:fld id="{0BE8C07D-36AB-2444-93C5-156FEF9C6BE1}" type="datetimeFigureOut">
               <a:rPr lang="en-US" smtClean="0"/>
-              <a:t>8/15/14</a:t>
+              <a:t>8/29/14</a:t>
             </a:fld>
             <a:endParaRPr lang="en-US"/>
           </a:p>
@@ -591,7 +591,7 @@
           <a:p>
             <a:fld id="{0BE8C07D-36AB-2444-93C5-156FEF9C6BE1}" type="datetimeFigureOut">
               <a:rPr lang="en-US" smtClean="0"/>
-              <a:t>8/15/14</a:t>
+              <a:t>8/29/14</a:t>
             </a:fld>
             <a:endParaRPr lang="en-US"/>
           </a:p>
@@ -860,7 +860,7 @@
           <a:p>
             <a:fld id="{0BE8C07D-36AB-2444-93C5-156FEF9C6BE1}" type="datetimeFigureOut">
               <a:rPr lang="en-US" smtClean="0"/>
-              <a:t>8/15/14</a:t>
+              <a:t>8/29/14</a:t>
             </a:fld>
             <a:endParaRPr lang="en-US"/>
           </a:p>
@@ -1039,7 +1039,7 @@
           <a:p>
             <a:fld id="{0BE8C07D-36AB-2444-93C5-156FEF9C6BE1}" type="datetimeFigureOut">
               <a:rPr lang="en-US" smtClean="0"/>
-              <a:t>8/15/14</a:t>
+              <a:t>8/29/14</a:t>
             </a:fld>
             <a:endParaRPr lang="en-US"/>
           </a:p>
@@ -1208,7 +1208,7 @@
           <a:p>
             <a:fld id="{0BE8C07D-36AB-2444-93C5-156FEF9C6BE1}" type="datetimeFigureOut">
               <a:rPr lang="en-US" smtClean="0"/>
-              <a:t>8/15/14</a:t>
+              <a:t>8/29/14</a:t>
             </a:fld>
             <a:endParaRPr lang="en-US"/>
           </a:p>
@@ -1451,7 +1451,7 @@
             <a:fld id="{0BE8C07D-36AB-2444-93C5-156FEF9C6BE1}" type="datetimeFigureOut">
               <a:rPr lang="en-US" smtClean="0"/>
               <a:pPr/>
-              <a:t>8/15/14</a:t>
+              <a:t>8/29/14</a:t>
             </a:fld>
             <a:endParaRPr lang="en-US"/>
           </a:p>
@@ -1775,7 +1775,7 @@
           <a:p>
             <a:fld id="{0BE8C07D-36AB-2444-93C5-156FEF9C6BE1}" type="datetimeFigureOut">
               <a:rPr lang="en-US" smtClean="0"/>
-              <a:t>8/15/14</a:t>
+              <a:t>8/29/14</a:t>
             </a:fld>
             <a:endParaRPr lang="en-US"/>
           </a:p>
@@ -2073,7 +2073,7 @@
           <a:p>
             <a:fld id="{0BE8C07D-36AB-2444-93C5-156FEF9C6BE1}" type="datetimeFigureOut">
               <a:rPr lang="en-US" smtClean="0"/>
-              <a:t>8/15/14</a:t>
+              <a:t>8/29/14</a:t>
             </a:fld>
             <a:endParaRPr lang="en-US"/>
           </a:p>
@@ -2529,7 +2529,7 @@
           <a:p>
             <a:fld id="{0BE8C07D-36AB-2444-93C5-156FEF9C6BE1}" type="datetimeFigureOut">
               <a:rPr lang="en-US" smtClean="0"/>
-              <a:t>8/15/14</a:t>
+              <a:t>8/29/14</a:t>
             </a:fld>
             <a:endParaRPr lang="en-US"/>
           </a:p>
@@ -2642,7 +2642,7 @@
           <a:p>
             <a:fld id="{0BE8C07D-36AB-2444-93C5-156FEF9C6BE1}" type="datetimeFigureOut">
               <a:rPr lang="en-US" smtClean="0"/>
-              <a:t>8/15/14</a:t>
+              <a:t>8/29/14</a:t>
             </a:fld>
             <a:endParaRPr lang="en-US"/>
           </a:p>
@@ -2732,7 +2732,7 @@
           <a:p>
             <a:fld id="{0BE8C07D-36AB-2444-93C5-156FEF9C6BE1}" type="datetimeFigureOut">
               <a:rPr lang="en-US" smtClean="0"/>
-              <a:t>8/15/14</a:t>
+              <a:t>8/29/14</a:t>
             </a:fld>
             <a:endParaRPr lang="en-US"/>
           </a:p>
@@ -3014,7 +3014,7 @@
           <a:p>
             <a:fld id="{0BE8C07D-36AB-2444-93C5-156FEF9C6BE1}" type="datetimeFigureOut">
               <a:rPr lang="en-US" smtClean="0"/>
-              <a:t>8/15/14</a:t>
+              <a:t>8/29/14</a:t>
             </a:fld>
             <a:endParaRPr lang="en-US"/>
           </a:p>
@@ -3221,7 +3221,7 @@
             <a:fld id="{0BE8C07D-36AB-2444-93C5-156FEF9C6BE1}" type="datetimeFigureOut">
               <a:rPr lang="en-US" smtClean="0"/>
               <a:pPr/>
-              <a:t>8/15/14</a:t>
+              <a:t>8/29/14</a:t>
             </a:fld>
             <a:endParaRPr lang="en-US"/>
           </a:p>
@@ -3688,11 +3688,7 @@
           <a:p>
             <a:r>
               <a:rPr lang="en-US" dirty="0" smtClean="0"/>
-              <a:t>IT Refresh </a:t>
-            </a:r>
-            <a:r>
-              <a:rPr lang="en-US" dirty="0" smtClean="0"/>
-              <a:t>Program</a:t>
+              <a:t>IT Refresh Program</a:t>
             </a:r>
             <a:endParaRPr lang="en-US" dirty="0"/>
           </a:p>
@@ -4358,14 +4354,7 @@
                 <a:latin typeface="Arial"/>
                 <a:cs typeface="Arial"/>
               </a:rPr>
-              <a:t>	</a:t>
-            </a:r>
-            <a:r>
-              <a:rPr lang="en-US" sz="1600" dirty="0" smtClean="0">
-                <a:latin typeface="Arial"/>
-                <a:cs typeface="Arial"/>
-              </a:rPr>
-              <a:t>Command Line (</a:t>
+              <a:t>	Command Line (</a:t>
             </a:r>
             <a:r>
               <a:rPr lang="en-US" sz="1600" dirty="0" err="1" smtClean="0">
@@ -4381,101 +4370,101 @@
               </a:rPr>
               <a:t>)</a:t>
             </a:r>
+          </a:p>
+          <a:p>
             <a:endParaRPr lang="en-US" sz="1600" dirty="0" smtClean="0">
               <a:latin typeface="Arial"/>
               <a:cs typeface="Arial"/>
             </a:endParaRPr>
           </a:p>
           <a:p>
+            <a:r>
+              <a:rPr lang="en-US" sz="1600" dirty="0" smtClean="0">
+                <a:latin typeface="Arial"/>
+                <a:cs typeface="Arial"/>
+              </a:rPr>
+              <a:t>	GUI: </a:t>
+            </a:r>
+            <a:r>
+              <a:rPr lang="en-US" sz="1600" dirty="0" err="1" smtClean="0">
+                <a:latin typeface="Arial"/>
+                <a:cs typeface="Arial"/>
+              </a:rPr>
+              <a:t>Github</a:t>
+            </a:r>
+            <a:r>
+              <a:rPr lang="en-US" sz="1600" dirty="0" smtClean="0">
+                <a:latin typeface="Arial"/>
+                <a:cs typeface="Arial"/>
+              </a:rPr>
+              <a:t> App, </a:t>
+            </a:r>
+            <a:r>
+              <a:rPr lang="en-US" sz="1600" dirty="0" err="1" smtClean="0">
+                <a:latin typeface="Arial"/>
+                <a:cs typeface="Arial"/>
+              </a:rPr>
+              <a:t>SourceTree</a:t>
+            </a:r>
             <a:endParaRPr lang="en-US" sz="1600" dirty="0" smtClean="0">
               <a:latin typeface="Arial"/>
               <a:cs typeface="Arial"/>
             </a:endParaRPr>
           </a:p>
           <a:p>
+            <a:endParaRPr lang="en-US" sz="1600" dirty="0">
+              <a:latin typeface="Arial"/>
+              <a:cs typeface="Arial"/>
+            </a:endParaRPr>
+          </a:p>
+          <a:p>
             <a:r>
               <a:rPr lang="en-US" sz="1600" dirty="0" smtClean="0">
                 <a:latin typeface="Arial"/>
                 <a:cs typeface="Arial"/>
               </a:rPr>
-              <a:t>	</a:t>
+              <a:t>	IDE: Eclipse, </a:t>
+            </a:r>
+            <a:r>
+              <a:rPr lang="en-US" sz="1600" dirty="0" err="1" smtClean="0">
+                <a:latin typeface="Arial"/>
+                <a:cs typeface="Arial"/>
+              </a:rPr>
+              <a:t>Xcode</a:t>
             </a:r>
             <a:r>
               <a:rPr lang="en-US" sz="1600" dirty="0" smtClean="0">
                 <a:latin typeface="Arial"/>
                 <a:cs typeface="Arial"/>
               </a:rPr>
-              <a:t>GUI: </a:t>
-            </a:r>
-            <a:r>
-              <a:rPr lang="en-US" sz="1600" dirty="0" err="1" smtClean="0">
-                <a:latin typeface="Arial"/>
-                <a:cs typeface="Arial"/>
-              </a:rPr>
-              <a:t>Github</a:t>
-            </a:r>
+              <a:t>, etc.</a:t>
+            </a:r>
+          </a:p>
+          <a:p>
+            <a:endParaRPr lang="en-US" sz="1600" dirty="0">
+              <a:latin typeface="Arial"/>
+              <a:cs typeface="Arial"/>
+            </a:endParaRPr>
+          </a:p>
+          <a:p>
             <a:r>
               <a:rPr lang="en-US" sz="1600" dirty="0" smtClean="0">
                 <a:latin typeface="Arial"/>
                 <a:cs typeface="Arial"/>
               </a:rPr>
-              <a:t> App, </a:t>
-            </a:r>
-            <a:r>
-              <a:rPr lang="en-US" sz="1600" dirty="0" err="1" smtClean="0">
-                <a:latin typeface="Arial"/>
-                <a:cs typeface="Arial"/>
-              </a:rPr>
-              <a:t>SourceTree</a:t>
+              <a:t>	Editors: Sublime </a:t>
+            </a:r>
+            <a:r>
+              <a:rPr lang="en-US" sz="1600" dirty="0" smtClean="0">
+                <a:latin typeface="Arial"/>
+                <a:cs typeface="Arial"/>
+              </a:rPr>
+              <a:t>Text, Atom</a:t>
             </a:r>
             <a:endParaRPr lang="en-US" sz="1600" dirty="0" smtClean="0">
               <a:latin typeface="Arial"/>
               <a:cs typeface="Arial"/>
             </a:endParaRPr>
-          </a:p>
-          <a:p>
-            <a:endParaRPr lang="en-US" sz="1600" dirty="0">
-              <a:latin typeface="Arial"/>
-              <a:cs typeface="Arial"/>
-            </a:endParaRPr>
-          </a:p>
-          <a:p>
-            <a:r>
-              <a:rPr lang="en-US" sz="1600" dirty="0" smtClean="0">
-                <a:latin typeface="Arial"/>
-                <a:cs typeface="Arial"/>
-              </a:rPr>
-              <a:t>	IDE: Eclipse, </a:t>
-            </a:r>
-            <a:r>
-              <a:rPr lang="en-US" sz="1600" dirty="0" err="1" smtClean="0">
-                <a:latin typeface="Arial"/>
-                <a:cs typeface="Arial"/>
-              </a:rPr>
-              <a:t>Xcode</a:t>
-            </a:r>
-            <a:r>
-              <a:rPr lang="en-US" sz="1600" dirty="0" smtClean="0">
-                <a:latin typeface="Arial"/>
-                <a:cs typeface="Arial"/>
-              </a:rPr>
-              <a:t>, etc.</a:t>
-            </a:r>
-          </a:p>
-          <a:p>
-            <a:endParaRPr lang="en-US" sz="1600" dirty="0">
-              <a:latin typeface="Arial"/>
-              <a:cs typeface="Arial"/>
-            </a:endParaRPr>
-          </a:p>
-          <a:p>
-            <a:r>
-              <a:rPr lang="en-US" sz="1600" dirty="0" smtClean="0">
-                <a:latin typeface="Arial"/>
-                <a:cs typeface="Arial"/>
-              </a:rPr>
-              <a:t>	Editors: Sublime Text</a:t>
-            </a:r>
           </a:p>
           <a:p>
             <a:endParaRPr lang="en-US" sz="1600" dirty="0">
@@ -4569,14 +4558,7 @@
                 <a:latin typeface="Arial"/>
                 <a:cs typeface="Arial"/>
               </a:rPr>
-              <a:t>Unit </a:t>
-            </a:r>
-            <a:r>
-              <a:rPr lang="en-US" sz="1600" b="1" dirty="0" smtClean="0">
-                <a:latin typeface="Arial"/>
-                <a:cs typeface="Arial"/>
-              </a:rPr>
-              <a:t>Testing</a:t>
+              <a:t>Unit Testing</a:t>
             </a:r>
             <a:endParaRPr lang="en-US" sz="1600" b="1" dirty="0">
               <a:latin typeface="Arial"/>
@@ -4653,87 +4635,232 @@
               </a:rPr>
               <a:t>, etc.)</a:t>
             </a:r>
+          </a:p>
+          <a:p>
+            <a:endParaRPr lang="en-US" sz="1600" dirty="0">
+              <a:latin typeface="Arial"/>
+              <a:cs typeface="Arial"/>
+            </a:endParaRPr>
+          </a:p>
+          <a:p>
+            <a:r>
+              <a:rPr lang="en-US" sz="1600" dirty="0" smtClean="0">
+                <a:latin typeface="Arial"/>
+                <a:cs typeface="Arial"/>
+              </a:rPr>
+              <a:t>	Specification (e.g., </a:t>
+            </a:r>
+            <a:r>
+              <a:rPr lang="en-US" sz="1600" dirty="0" err="1" smtClean="0">
+                <a:latin typeface="Arial"/>
+                <a:cs typeface="Arial"/>
+              </a:rPr>
+              <a:t>MSpec</a:t>
+            </a:r>
+            <a:r>
+              <a:rPr lang="en-US" sz="1600" dirty="0" smtClean="0">
+                <a:latin typeface="Arial"/>
+                <a:cs typeface="Arial"/>
+              </a:rPr>
+              <a:t>, </a:t>
+            </a:r>
+            <a:r>
+              <a:rPr lang="en-US" sz="1600" dirty="0" err="1" smtClean="0">
+                <a:latin typeface="Arial"/>
+                <a:cs typeface="Arial"/>
+              </a:rPr>
+              <a:t>NSpec</a:t>
+            </a:r>
+            <a:r>
+              <a:rPr lang="en-US" sz="1600" dirty="0" smtClean="0">
+                <a:latin typeface="Arial"/>
+                <a:cs typeface="Arial"/>
+              </a:rPr>
+              <a:t>, etc.)</a:t>
+            </a:r>
+          </a:p>
+          <a:p>
+            <a:endParaRPr lang="en-US" sz="1600" b="1" dirty="0" smtClean="0">
+              <a:latin typeface="Arial"/>
+              <a:cs typeface="Arial"/>
+            </a:endParaRPr>
+          </a:p>
+          <a:p>
+            <a:endParaRPr lang="en-US" sz="1600" b="1" dirty="0">
+              <a:latin typeface="Arial"/>
+              <a:cs typeface="Arial"/>
+            </a:endParaRPr>
+          </a:p>
+          <a:p>
+            <a:r>
+              <a:rPr lang="en-US" sz="1600" b="1" dirty="0" smtClean="0">
+                <a:latin typeface="Arial"/>
+                <a:cs typeface="Arial"/>
+              </a:rPr>
+              <a:t>System Testing</a:t>
+            </a:r>
+          </a:p>
+          <a:p>
+            <a:endParaRPr lang="en-US" sz="1600" dirty="0">
+              <a:latin typeface="Arial"/>
+              <a:cs typeface="Arial"/>
+            </a:endParaRPr>
+          </a:p>
+          <a:p>
+            <a:r>
+              <a:rPr lang="en-US" sz="1600" dirty="0" smtClean="0">
+                <a:latin typeface="Arial"/>
+                <a:cs typeface="Arial"/>
+              </a:rPr>
+              <a:t>	Tools (Web: </a:t>
+            </a:r>
+            <a:r>
+              <a:rPr lang="en-US" sz="1600" dirty="0" err="1" smtClean="0">
+                <a:latin typeface="Arial"/>
+                <a:cs typeface="Arial"/>
+              </a:rPr>
+              <a:t>Watir</a:t>
+            </a:r>
+            <a:r>
+              <a:rPr lang="en-US" sz="1600" dirty="0" smtClean="0">
+                <a:latin typeface="Arial"/>
+                <a:cs typeface="Arial"/>
+              </a:rPr>
+              <a:t> </a:t>
+            </a:r>
+            <a:r>
+              <a:rPr lang="en-US" sz="1600" dirty="0" err="1" smtClean="0">
+                <a:latin typeface="Arial"/>
+                <a:cs typeface="Arial"/>
+              </a:rPr>
+              <a:t>Webdriver</a:t>
+            </a:r>
+            <a:r>
+              <a:rPr lang="en-US" sz="1600" dirty="0" smtClean="0">
+                <a:latin typeface="Arial"/>
+                <a:cs typeface="Arial"/>
+              </a:rPr>
+              <a:t>, Selenium </a:t>
+            </a:r>
+            <a:r>
+              <a:rPr lang="en-US" sz="1600" dirty="0" err="1" smtClean="0">
+                <a:latin typeface="Arial"/>
+                <a:cs typeface="Arial"/>
+              </a:rPr>
+              <a:t>Webdriver</a:t>
+            </a:r>
+            <a:r>
+              <a:rPr lang="en-US" sz="1600" dirty="0" smtClean="0">
+                <a:latin typeface="Arial"/>
+                <a:cs typeface="Arial"/>
+              </a:rPr>
+              <a:t>)</a:t>
+            </a:r>
+          </a:p>
+          <a:p>
             <a:endParaRPr lang="en-US" sz="1600" dirty="0" smtClean="0">
               <a:latin typeface="Arial"/>
               <a:cs typeface="Arial"/>
             </a:endParaRPr>
           </a:p>
           <a:p>
+            <a:r>
+              <a:rPr lang="en-US" sz="1600" dirty="0" smtClean="0">
+                <a:latin typeface="Arial"/>
+                <a:cs typeface="Arial"/>
+              </a:rPr>
+              <a:t>	</a:t>
+            </a:r>
+            <a:r>
+              <a:rPr lang="en-US" sz="1600" dirty="0">
+                <a:latin typeface="Arial"/>
+                <a:cs typeface="Arial"/>
+              </a:rPr>
+              <a:t>Specification </a:t>
+            </a:r>
+            <a:r>
+              <a:rPr lang="en-US" sz="1600" dirty="0" smtClean="0">
+                <a:latin typeface="Arial"/>
+                <a:cs typeface="Arial"/>
+              </a:rPr>
+              <a:t>(e.g</a:t>
+            </a:r>
+            <a:r>
+              <a:rPr lang="en-US" sz="1600" dirty="0">
+                <a:latin typeface="Arial"/>
+                <a:cs typeface="Arial"/>
+              </a:rPr>
+              <a:t>., </a:t>
+            </a:r>
+            <a:r>
+              <a:rPr lang="en-US" sz="1600" dirty="0" err="1">
+                <a:latin typeface="Arial"/>
+                <a:cs typeface="Arial"/>
+              </a:rPr>
+              <a:t>MSpec</a:t>
+            </a:r>
+            <a:r>
+              <a:rPr lang="en-US" sz="1600" dirty="0">
+                <a:latin typeface="Arial"/>
+                <a:cs typeface="Arial"/>
+              </a:rPr>
+              <a:t>, </a:t>
+            </a:r>
+            <a:r>
+              <a:rPr lang="en-US" sz="1600" dirty="0" err="1">
+                <a:latin typeface="Arial"/>
+                <a:cs typeface="Arial"/>
+              </a:rPr>
+              <a:t>NSpec</a:t>
+            </a:r>
+            <a:r>
+              <a:rPr lang="en-US" sz="1600" dirty="0">
+                <a:latin typeface="Arial"/>
+                <a:cs typeface="Arial"/>
+              </a:rPr>
+              <a:t>, etc.</a:t>
+            </a:r>
+            <a:r>
+              <a:rPr lang="en-US" sz="1600" dirty="0" smtClean="0">
+                <a:latin typeface="Arial"/>
+                <a:cs typeface="Arial"/>
+              </a:rPr>
+              <a:t>)</a:t>
+            </a:r>
+          </a:p>
+          <a:p>
             <a:endParaRPr lang="en-US" sz="1600" dirty="0">
               <a:latin typeface="Arial"/>
               <a:cs typeface="Arial"/>
             </a:endParaRPr>
           </a:p>
           <a:p>
-            <a:r>
-              <a:rPr lang="en-US" sz="1600" dirty="0" smtClean="0">
-                <a:latin typeface="Arial"/>
-                <a:cs typeface="Arial"/>
-              </a:rPr>
-              <a:t>	</a:t>
-            </a:r>
-            <a:r>
-              <a:rPr lang="en-US" sz="1600" dirty="0" smtClean="0">
-                <a:latin typeface="Arial"/>
-                <a:cs typeface="Arial"/>
-              </a:rPr>
-              <a:t>Specification (e.g., </a:t>
-            </a:r>
-            <a:r>
-              <a:rPr lang="en-US" sz="1600" dirty="0" err="1" smtClean="0">
-                <a:latin typeface="Arial"/>
-                <a:cs typeface="Arial"/>
-              </a:rPr>
-              <a:t>MSpec</a:t>
-            </a:r>
-            <a:r>
-              <a:rPr lang="en-US" sz="1600" dirty="0" smtClean="0">
-                <a:latin typeface="Arial"/>
-                <a:cs typeface="Arial"/>
-              </a:rPr>
-              <a:t>, </a:t>
-            </a:r>
-            <a:r>
-              <a:rPr lang="en-US" sz="1600" dirty="0" err="1" smtClean="0">
-                <a:latin typeface="Arial"/>
-                <a:cs typeface="Arial"/>
-              </a:rPr>
-              <a:t>NSpec</a:t>
-            </a:r>
-            <a:r>
-              <a:rPr lang="en-US" sz="1600" dirty="0" smtClean="0">
-                <a:latin typeface="Arial"/>
-                <a:cs typeface="Arial"/>
-              </a:rPr>
-              <a:t>, etc.)</a:t>
-            </a:r>
             <a:endParaRPr lang="en-US" sz="1600" dirty="0" smtClean="0">
               <a:latin typeface="Arial"/>
               <a:cs typeface="Arial"/>
             </a:endParaRPr>
           </a:p>
           <a:p>
+            <a:r>
+              <a:rPr lang="en-US" sz="1600" b="1" dirty="0" smtClean="0">
+                <a:latin typeface="Arial"/>
+                <a:cs typeface="Arial"/>
+              </a:rPr>
+              <a:t>Build Tools</a:t>
+            </a:r>
+            <a:r>
+              <a:rPr lang="en-US" sz="1600" dirty="0" smtClean="0">
+                <a:latin typeface="Arial"/>
+                <a:cs typeface="Arial"/>
+              </a:rPr>
+              <a:t> (for multiple test files)</a:t>
+            </a:r>
             <a:endParaRPr lang="en-US" sz="1600" b="1" dirty="0" smtClean="0">
               <a:latin typeface="Arial"/>
               <a:cs typeface="Arial"/>
             </a:endParaRPr>
           </a:p>
           <a:p>
-            <a:endParaRPr lang="en-US" sz="1600" b="1" dirty="0">
-              <a:latin typeface="Arial"/>
-              <a:cs typeface="Arial"/>
-            </a:endParaRPr>
-          </a:p>
-          <a:p>
-            <a:r>
-              <a:rPr lang="en-US" sz="1600" b="1" dirty="0" smtClean="0">
-                <a:latin typeface="Arial"/>
-                <a:cs typeface="Arial"/>
-              </a:rPr>
-              <a:t>System Testing</a:t>
-            </a:r>
-          </a:p>
-          <a:p>
             <a:endParaRPr lang="en-US" sz="1600" dirty="0">
               <a:latin typeface="Arial"/>
               <a:cs typeface="Arial"/>
@@ -4745,185 +4872,21 @@
                 <a:latin typeface="Arial"/>
                 <a:cs typeface="Arial"/>
               </a:rPr>
-              <a:t>	</a:t>
+              <a:t>	Cake, </a:t>
+            </a:r>
+            <a:r>
+              <a:rPr lang="en-US" sz="1600" smtClean="0">
+                <a:latin typeface="Arial"/>
+                <a:cs typeface="Arial"/>
+              </a:rPr>
+              <a:t>Rake, Maven</a:t>
             </a:r>
             <a:r>
               <a:rPr lang="en-US" sz="1600" dirty="0" smtClean="0">
                 <a:latin typeface="Arial"/>
                 <a:cs typeface="Arial"/>
               </a:rPr>
-              <a:t>Tools</a:t>
-            </a:r>
-            <a:r>
-              <a:rPr lang="en-US" sz="1600" dirty="0" smtClean="0">
-                <a:latin typeface="Arial"/>
-                <a:cs typeface="Arial"/>
-              </a:rPr>
-              <a:t> (Web: </a:t>
-            </a:r>
-            <a:r>
-              <a:rPr lang="en-US" sz="1600" dirty="0" err="1" smtClean="0">
-                <a:latin typeface="Arial"/>
-                <a:cs typeface="Arial"/>
-              </a:rPr>
-              <a:t>Watir</a:t>
-            </a:r>
-            <a:r>
-              <a:rPr lang="en-US" sz="1600" dirty="0" smtClean="0">
-                <a:latin typeface="Arial"/>
-                <a:cs typeface="Arial"/>
-              </a:rPr>
-              <a:t> </a:t>
-            </a:r>
-            <a:r>
-              <a:rPr lang="en-US" sz="1600" dirty="0" err="1" smtClean="0">
-                <a:latin typeface="Arial"/>
-                <a:cs typeface="Arial"/>
-              </a:rPr>
-              <a:t>Webdriver</a:t>
-            </a:r>
-            <a:r>
-              <a:rPr lang="en-US" sz="1600" dirty="0" smtClean="0">
-                <a:latin typeface="Arial"/>
-                <a:cs typeface="Arial"/>
-              </a:rPr>
-              <a:t>, Selenium </a:t>
-            </a:r>
-            <a:r>
-              <a:rPr lang="en-US" sz="1600" dirty="0" err="1" smtClean="0">
-                <a:latin typeface="Arial"/>
-                <a:cs typeface="Arial"/>
-              </a:rPr>
-              <a:t>Webdriver</a:t>
-            </a:r>
-            <a:r>
-              <a:rPr lang="en-US" sz="1600" dirty="0" smtClean="0">
-                <a:latin typeface="Arial"/>
-                <a:cs typeface="Arial"/>
-              </a:rPr>
-              <a:t>)</a:t>
-            </a:r>
-            <a:endParaRPr lang="en-US" sz="1600" dirty="0" smtClean="0">
-              <a:latin typeface="Arial"/>
-              <a:cs typeface="Arial"/>
-            </a:endParaRPr>
-          </a:p>
-          <a:p>
-            <a:endParaRPr lang="en-US" sz="1600" dirty="0" smtClean="0">
-              <a:latin typeface="Arial"/>
-              <a:cs typeface="Arial"/>
-            </a:endParaRPr>
-          </a:p>
-          <a:p>
-            <a:r>
-              <a:rPr lang="en-US" sz="1600" dirty="0" smtClean="0">
-                <a:latin typeface="Arial"/>
-                <a:cs typeface="Arial"/>
-              </a:rPr>
-              <a:t>	</a:t>
-            </a:r>
-            <a:r>
-              <a:rPr lang="en-US" sz="1600" dirty="0">
-                <a:latin typeface="Arial"/>
-                <a:cs typeface="Arial"/>
-              </a:rPr>
-              <a:t>Specification </a:t>
-            </a:r>
-            <a:r>
-              <a:rPr lang="en-US" sz="1600" dirty="0" smtClean="0">
-                <a:latin typeface="Arial"/>
-                <a:cs typeface="Arial"/>
-              </a:rPr>
-              <a:t>(e.g</a:t>
-            </a:r>
-            <a:r>
-              <a:rPr lang="en-US" sz="1600" dirty="0">
-                <a:latin typeface="Arial"/>
-                <a:cs typeface="Arial"/>
-              </a:rPr>
-              <a:t>., </a:t>
-            </a:r>
-            <a:r>
-              <a:rPr lang="en-US" sz="1600" dirty="0" err="1">
-                <a:latin typeface="Arial"/>
-                <a:cs typeface="Arial"/>
-              </a:rPr>
-              <a:t>MSpec</a:t>
-            </a:r>
-            <a:r>
-              <a:rPr lang="en-US" sz="1600" dirty="0">
-                <a:latin typeface="Arial"/>
-                <a:cs typeface="Arial"/>
-              </a:rPr>
-              <a:t>, </a:t>
-            </a:r>
-            <a:r>
-              <a:rPr lang="en-US" sz="1600" dirty="0" err="1">
-                <a:latin typeface="Arial"/>
-                <a:cs typeface="Arial"/>
-              </a:rPr>
-              <a:t>NSpec</a:t>
-            </a:r>
-            <a:r>
-              <a:rPr lang="en-US" sz="1600" dirty="0">
-                <a:latin typeface="Arial"/>
-                <a:cs typeface="Arial"/>
-              </a:rPr>
               <a:t>, etc.</a:t>
-            </a:r>
-            <a:r>
-              <a:rPr lang="en-US" sz="1600" dirty="0" smtClean="0">
-                <a:latin typeface="Arial"/>
-                <a:cs typeface="Arial"/>
-              </a:rPr>
-              <a:t>)</a:t>
-            </a:r>
-          </a:p>
-          <a:p>
-            <a:endParaRPr lang="en-US" sz="1600" dirty="0">
-              <a:latin typeface="Arial"/>
-              <a:cs typeface="Arial"/>
-            </a:endParaRPr>
-          </a:p>
-          <a:p>
-            <a:endParaRPr lang="en-US" sz="1600" dirty="0" smtClean="0">
-              <a:latin typeface="Arial"/>
-              <a:cs typeface="Arial"/>
-            </a:endParaRPr>
-          </a:p>
-          <a:p>
-            <a:r>
-              <a:rPr lang="en-US" sz="1600" b="1" dirty="0" smtClean="0">
-                <a:latin typeface="Arial"/>
-                <a:cs typeface="Arial"/>
-              </a:rPr>
-              <a:t>Build Tools</a:t>
-            </a:r>
-            <a:r>
-              <a:rPr lang="en-US" sz="1600" dirty="0" smtClean="0">
-                <a:latin typeface="Arial"/>
-                <a:cs typeface="Arial"/>
-              </a:rPr>
-              <a:t> (for multiple test files)</a:t>
-            </a:r>
-            <a:endParaRPr lang="en-US" sz="1600" b="1" dirty="0" smtClean="0">
-              <a:latin typeface="Arial"/>
-              <a:cs typeface="Arial"/>
-            </a:endParaRPr>
-          </a:p>
-          <a:p>
-            <a:endParaRPr lang="en-US" sz="1600" dirty="0">
-              <a:latin typeface="Arial"/>
-              <a:cs typeface="Arial"/>
-            </a:endParaRPr>
-          </a:p>
-          <a:p>
-            <a:r>
-              <a:rPr lang="en-US" sz="1600" dirty="0" smtClean="0">
-                <a:latin typeface="Arial"/>
-                <a:cs typeface="Arial"/>
-              </a:rPr>
-              <a:t>	Cake, Maven, etc.</a:t>
             </a:r>
             <a:endParaRPr lang="en-US" sz="1600" dirty="0">
               <a:latin typeface="Arial"/>
@@ -5345,7 +5308,7 @@
         </p:blipFill>
         <p:spPr>
           <a:xfrm>
-            <a:off x="5560891" y="1359865"/>
+            <a:off x="4649655" y="2272248"/>
             <a:ext cx="873816" cy="1019452"/>
           </a:xfrm>
           <a:prstGeom prst="rect">
@@ -5369,7 +5332,7 @@
         </p:blipFill>
         <p:spPr>
           <a:xfrm>
-            <a:off x="7577334" y="187219"/>
+            <a:off x="6666098" y="1099602"/>
             <a:ext cx="937136" cy="1000456"/>
           </a:xfrm>
           <a:prstGeom prst="rect">
@@ -5393,7 +5356,7 @@
         </p:blipFill>
         <p:spPr>
           <a:xfrm>
-            <a:off x="7577334" y="2611361"/>
+            <a:off x="6666098" y="3523744"/>
             <a:ext cx="842156" cy="987792"/>
           </a:xfrm>
           <a:prstGeom prst="rect">
@@ -5409,7 +5372,7 @@
         </p:nvSpPr>
         <p:spPr>
           <a:xfrm>
-            <a:off x="4133521" y="2343604"/>
+            <a:off x="3222285" y="3255987"/>
             <a:ext cx="626043" cy="369332"/>
           </a:xfrm>
           <a:prstGeom prst="rect">
@@ -5439,7 +5402,7 @@
         </p:nvSpPr>
         <p:spPr>
           <a:xfrm>
-            <a:off x="1540334" y="3177906"/>
+            <a:off x="629098" y="4090289"/>
             <a:ext cx="1044765" cy="369332"/>
           </a:xfrm>
           <a:prstGeom prst="rect">
@@ -5469,7 +5432,7 @@
         </p:nvSpPr>
         <p:spPr>
           <a:xfrm>
-            <a:off x="3262681" y="4500068"/>
+            <a:off x="2351445" y="5412451"/>
             <a:ext cx="1090751" cy="369332"/>
           </a:xfrm>
           <a:prstGeom prst="rect">
@@ -5499,7 +5462,7 @@
         </p:nvSpPr>
         <p:spPr>
           <a:xfrm rot="21171167" flipH="1">
-            <a:off x="2847283" y="2006147"/>
+            <a:off x="1936047" y="2918530"/>
             <a:ext cx="1054714" cy="1065425"/>
           </a:xfrm>
           <a:prstGeom prst="circularArrow">
@@ -5547,7 +5510,7 @@
         </p:nvSpPr>
         <p:spPr>
           <a:xfrm rot="4385177">
-            <a:off x="7892133" y="1471445"/>
+            <a:off x="6980897" y="2383828"/>
             <a:ext cx="1054714" cy="1065425"/>
           </a:xfrm>
           <a:prstGeom prst="circularArrow">
@@ -5595,7 +5558,7 @@
         </p:nvSpPr>
         <p:spPr>
           <a:xfrm rot="11558653">
-            <a:off x="6303166" y="2262886"/>
+            <a:off x="5391930" y="3175269"/>
             <a:ext cx="1054714" cy="1065425"/>
           </a:xfrm>
           <a:prstGeom prst="circularArrow">
@@ -5643,7 +5606,7 @@
         </p:nvSpPr>
         <p:spPr>
           <a:xfrm rot="14020168" flipH="1">
-            <a:off x="2333181" y="3536025"/>
+            <a:off x="1421945" y="4448408"/>
             <a:ext cx="1054714" cy="1065425"/>
           </a:xfrm>
           <a:prstGeom prst="circularArrow">
@@ -5691,7 +5654,7 @@
         </p:nvSpPr>
         <p:spPr>
           <a:xfrm rot="18292709">
-            <a:off x="6438356" y="378722"/>
+            <a:off x="5527120" y="1291105"/>
             <a:ext cx="1054714" cy="1065425"/>
           </a:xfrm>
           <a:prstGeom prst="circularArrow">
@@ -5739,7 +5702,7 @@
         </p:nvSpPr>
         <p:spPr>
           <a:xfrm rot="10606868" flipH="1">
-            <a:off x="4651514" y="1597222"/>
+            <a:off x="3740278" y="2509605"/>
             <a:ext cx="1033270" cy="1065425"/>
           </a:xfrm>
           <a:prstGeom prst="circularArrow">
@@ -5787,7 +5750,7 @@
         </p:nvSpPr>
         <p:spPr>
           <a:xfrm rot="3022531">
-            <a:off x="3606164" y="908427"/>
+            <a:off x="2694928" y="1820810"/>
             <a:ext cx="1054714" cy="1065425"/>
           </a:xfrm>
           <a:prstGeom prst="circularArrow">
@@ -5835,7 +5798,7 @@
         </p:nvSpPr>
         <p:spPr>
           <a:xfrm>
-            <a:off x="3182093" y="695208"/>
+            <a:off x="2270857" y="1607591"/>
             <a:ext cx="737289" cy="369332"/>
           </a:xfrm>
           <a:prstGeom prst="rect">
@@ -5873,7 +5836,7 @@
         </p:blipFill>
         <p:spPr>
           <a:xfrm>
-            <a:off x="4133521" y="1814234"/>
+            <a:off x="3222285" y="2726617"/>
             <a:ext cx="606730" cy="606730"/>
           </a:xfrm>
           <a:prstGeom prst="rect">
@@ -5889,7 +5852,7 @@
         </p:nvSpPr>
         <p:spPr>
           <a:xfrm rot="10363111" flipH="1">
-            <a:off x="2754156" y="1917337"/>
+            <a:off x="1842920" y="2829720"/>
             <a:ext cx="1054714" cy="1065425"/>
           </a:xfrm>
           <a:prstGeom prst="circularArrow">
@@ -5945,7 +5908,7 @@
         </p:blipFill>
         <p:spPr>
           <a:xfrm>
-            <a:off x="1668660" y="2567816"/>
+            <a:off x="757424" y="3480199"/>
             <a:ext cx="663806" cy="663806"/>
           </a:xfrm>
           <a:prstGeom prst="rect">
@@ -5969,7 +5932,7 @@
         </p:blipFill>
         <p:spPr>
           <a:xfrm>
-            <a:off x="3451343" y="3922304"/>
+            <a:off x="2540107" y="4834687"/>
             <a:ext cx="781873" cy="667198"/>
           </a:xfrm>
           <a:prstGeom prst="rect">
@@ -5985,7 +5948,7 @@
         </p:nvSpPr>
         <p:spPr>
           <a:xfrm rot="7505069" flipH="1">
-            <a:off x="4083816" y="2970226"/>
+            <a:off x="3172580" y="3882609"/>
             <a:ext cx="1054714" cy="1065425"/>
           </a:xfrm>
           <a:prstGeom prst="circularArrow">
